--- a/presentations/sampling/sampling_cLHS_example/cLHS_sampling_R_example.pptx
+++ b/presentations/sampling/sampling_cLHS_example/cLHS_sampling_R_example.pptx
@@ -228,7 +228,7 @@
             <a:fld id="{333390A1-EFA7-4975-B307-3ED18211B739}" type="datetimeFigureOut">
               <a:rPr lang="en-US" smtClean="0"/>
               <a:pPr/>
-              <a:t>2/11/2016</a:t>
+              <a:t>2/22/2016</a:t>
             </a:fld>
             <a:endParaRPr lang="en-US"/>
           </a:p>
@@ -687,7 +687,7 @@
             <a:fld id="{1F541AB0-5ECD-4F0C-8435-DFC39302280B}" type="datetimeFigureOut">
               <a:rPr lang="en-US" smtClean="0"/>
               <a:pPr/>
-              <a:t>2/11/2016</a:t>
+              <a:t>2/22/2016</a:t>
             </a:fld>
             <a:endParaRPr lang="en-US"/>
           </a:p>
@@ -859,7 +859,7 @@
             <a:fld id="{1F541AB0-5ECD-4F0C-8435-DFC39302280B}" type="datetimeFigureOut">
               <a:rPr lang="en-US" smtClean="0"/>
               <a:pPr/>
-              <a:t>2/11/2016</a:t>
+              <a:t>2/22/2016</a:t>
             </a:fld>
             <a:endParaRPr lang="en-US"/>
           </a:p>
@@ -1041,7 +1041,7 @@
             <a:fld id="{1F541AB0-5ECD-4F0C-8435-DFC39302280B}" type="datetimeFigureOut">
               <a:rPr lang="en-US" smtClean="0"/>
               <a:pPr/>
-              <a:t>2/11/2016</a:t>
+              <a:t>2/22/2016</a:t>
             </a:fld>
             <a:endParaRPr lang="en-US"/>
           </a:p>
@@ -1213,7 +1213,7 @@
             <a:fld id="{1F541AB0-5ECD-4F0C-8435-DFC39302280B}" type="datetimeFigureOut">
               <a:rPr lang="en-US" smtClean="0"/>
               <a:pPr/>
-              <a:t>2/11/2016</a:t>
+              <a:t>2/22/2016</a:t>
             </a:fld>
             <a:endParaRPr lang="en-US"/>
           </a:p>
@@ -1461,7 +1461,7 @@
             <a:fld id="{1F541AB0-5ECD-4F0C-8435-DFC39302280B}" type="datetimeFigureOut">
               <a:rPr lang="en-US" smtClean="0"/>
               <a:pPr/>
-              <a:t>2/11/2016</a:t>
+              <a:t>2/22/2016</a:t>
             </a:fld>
             <a:endParaRPr lang="en-US"/>
           </a:p>
@@ -1751,7 +1751,7 @@
             <a:fld id="{1F541AB0-5ECD-4F0C-8435-DFC39302280B}" type="datetimeFigureOut">
               <a:rPr lang="en-US" smtClean="0"/>
               <a:pPr/>
-              <a:t>2/11/2016</a:t>
+              <a:t>2/22/2016</a:t>
             </a:fld>
             <a:endParaRPr lang="en-US"/>
           </a:p>
@@ -2175,7 +2175,7 @@
             <a:fld id="{1F541AB0-5ECD-4F0C-8435-DFC39302280B}" type="datetimeFigureOut">
               <a:rPr lang="en-US" smtClean="0"/>
               <a:pPr/>
-              <a:t>2/11/2016</a:t>
+              <a:t>2/22/2016</a:t>
             </a:fld>
             <a:endParaRPr lang="en-US"/>
           </a:p>
@@ -2295,7 +2295,7 @@
             <a:fld id="{1F541AB0-5ECD-4F0C-8435-DFC39302280B}" type="datetimeFigureOut">
               <a:rPr lang="en-US" smtClean="0"/>
               <a:pPr/>
-              <a:t>2/11/2016</a:t>
+              <a:t>2/22/2016</a:t>
             </a:fld>
             <a:endParaRPr lang="en-US"/>
           </a:p>
@@ -2392,7 +2392,7 @@
             <a:fld id="{1F541AB0-5ECD-4F0C-8435-DFC39302280B}" type="datetimeFigureOut">
               <a:rPr lang="en-US" smtClean="0"/>
               <a:pPr/>
-              <a:t>2/11/2016</a:t>
+              <a:t>2/22/2016</a:t>
             </a:fld>
             <a:endParaRPr lang="en-US"/>
           </a:p>
@@ -2671,7 +2671,7 @@
             <a:fld id="{1F541AB0-5ECD-4F0C-8435-DFC39302280B}" type="datetimeFigureOut">
               <a:rPr lang="en-US" smtClean="0"/>
               <a:pPr/>
-              <a:t>2/11/2016</a:t>
+              <a:t>2/22/2016</a:t>
             </a:fld>
             <a:endParaRPr lang="en-US"/>
           </a:p>
@@ -2926,7 +2926,7 @@
             <a:fld id="{1F541AB0-5ECD-4F0C-8435-DFC39302280B}" type="datetimeFigureOut">
               <a:rPr lang="en-US" smtClean="0"/>
               <a:pPr/>
-              <a:t>2/11/2016</a:t>
+              <a:t>2/22/2016</a:t>
             </a:fld>
             <a:endParaRPr lang="en-US"/>
           </a:p>
@@ -3141,7 +3141,7 @@
             <a:fld id="{1F541AB0-5ECD-4F0C-8435-DFC39302280B}" type="datetimeFigureOut">
               <a:rPr lang="en-US" smtClean="0"/>
               <a:pPr/>
-              <a:t>2/11/2016</a:t>
+              <a:t>2/22/2016</a:t>
             </a:fld>
             <a:endParaRPr lang="en-US"/>
           </a:p>
@@ -9173,7 +9173,15 @@
           <a:p>
             <a:r>
               <a:rPr lang="en-US" sz="2800" dirty="0" smtClean="0"/>
-              <a:t>The soil mapping project will use digital soil mapping techniques with 5m resolution data</a:t>
+              <a:t>The soil mapping project </a:t>
+            </a:r>
+            <a:r>
+              <a:rPr lang="en-US" sz="2800" dirty="0" smtClean="0"/>
+              <a:t>anticipates use of </a:t>
+            </a:r>
+            <a:r>
+              <a:rPr lang="en-US" sz="2800" dirty="0" smtClean="0"/>
+              <a:t>digital soil mapping techniques with 5m resolution data</a:t>
             </a:r>
           </a:p>
           <a:p>
@@ -9182,23 +9190,7 @@
           <a:p>
             <a:r>
               <a:rPr lang="en-US" sz="2800" dirty="0" smtClean="0"/>
-              <a:t>Data </a:t>
-            </a:r>
-            <a:r>
-              <a:rPr lang="en-US" sz="2800" dirty="0" smtClean="0"/>
-              <a:t>values from </a:t>
-            </a:r>
-            <a:r>
-              <a:rPr lang="en-US" sz="2800" dirty="0" smtClean="0"/>
-              <a:t>the samples </a:t>
-            </a:r>
-            <a:r>
-              <a:rPr lang="en-US" sz="2800" dirty="0" smtClean="0"/>
-              <a:t>must match </a:t>
-            </a:r>
-            <a:r>
-              <a:rPr lang="en-US" sz="2800" dirty="0" smtClean="0"/>
-              <a:t>the values of the covariate layers, since the sample points will serve as training data for modelling work</a:t>
+              <a:t>Data values from the samples must match the values of the covariate layers, since the sample points will serve as training data for modelling work</a:t>
             </a:r>
           </a:p>
           <a:p>

--- a/presentations/sampling/sampling_cLHS_example/cLHS_sampling_R_example.pptx
+++ b/presentations/sampling/sampling_cLHS_example/cLHS_sampling_R_example.pptx
@@ -228,7 +228,7 @@
             <a:fld id="{333390A1-EFA7-4975-B307-3ED18211B739}" type="datetimeFigureOut">
               <a:rPr lang="en-US" smtClean="0"/>
               <a:pPr/>
-              <a:t>2/22/2016</a:t>
+              <a:t>3/4/2016</a:t>
             </a:fld>
             <a:endParaRPr lang="en-US"/>
           </a:p>
@@ -687,7 +687,7 @@
             <a:fld id="{1F541AB0-5ECD-4F0C-8435-DFC39302280B}" type="datetimeFigureOut">
               <a:rPr lang="en-US" smtClean="0"/>
               <a:pPr/>
-              <a:t>2/22/2016</a:t>
+              <a:t>3/4/2016</a:t>
             </a:fld>
             <a:endParaRPr lang="en-US"/>
           </a:p>
@@ -859,7 +859,7 @@
             <a:fld id="{1F541AB0-5ECD-4F0C-8435-DFC39302280B}" type="datetimeFigureOut">
               <a:rPr lang="en-US" smtClean="0"/>
               <a:pPr/>
-              <a:t>2/22/2016</a:t>
+              <a:t>3/4/2016</a:t>
             </a:fld>
             <a:endParaRPr lang="en-US"/>
           </a:p>
@@ -1041,7 +1041,7 @@
             <a:fld id="{1F541AB0-5ECD-4F0C-8435-DFC39302280B}" type="datetimeFigureOut">
               <a:rPr lang="en-US" smtClean="0"/>
               <a:pPr/>
-              <a:t>2/22/2016</a:t>
+              <a:t>3/4/2016</a:t>
             </a:fld>
             <a:endParaRPr lang="en-US"/>
           </a:p>
@@ -1213,7 +1213,7 @@
             <a:fld id="{1F541AB0-5ECD-4F0C-8435-DFC39302280B}" type="datetimeFigureOut">
               <a:rPr lang="en-US" smtClean="0"/>
               <a:pPr/>
-              <a:t>2/22/2016</a:t>
+              <a:t>3/4/2016</a:t>
             </a:fld>
             <a:endParaRPr lang="en-US"/>
           </a:p>
@@ -1461,7 +1461,7 @@
             <a:fld id="{1F541AB0-5ECD-4F0C-8435-DFC39302280B}" type="datetimeFigureOut">
               <a:rPr lang="en-US" smtClean="0"/>
               <a:pPr/>
-              <a:t>2/22/2016</a:t>
+              <a:t>3/4/2016</a:t>
             </a:fld>
             <a:endParaRPr lang="en-US"/>
           </a:p>
@@ -1751,7 +1751,7 @@
             <a:fld id="{1F541AB0-5ECD-4F0C-8435-DFC39302280B}" type="datetimeFigureOut">
               <a:rPr lang="en-US" smtClean="0"/>
               <a:pPr/>
-              <a:t>2/22/2016</a:t>
+              <a:t>3/4/2016</a:t>
             </a:fld>
             <a:endParaRPr lang="en-US"/>
           </a:p>
@@ -2175,7 +2175,7 @@
             <a:fld id="{1F541AB0-5ECD-4F0C-8435-DFC39302280B}" type="datetimeFigureOut">
               <a:rPr lang="en-US" smtClean="0"/>
               <a:pPr/>
-              <a:t>2/22/2016</a:t>
+              <a:t>3/4/2016</a:t>
             </a:fld>
             <a:endParaRPr lang="en-US"/>
           </a:p>
@@ -2295,7 +2295,7 @@
             <a:fld id="{1F541AB0-5ECD-4F0C-8435-DFC39302280B}" type="datetimeFigureOut">
               <a:rPr lang="en-US" smtClean="0"/>
               <a:pPr/>
-              <a:t>2/22/2016</a:t>
+              <a:t>3/4/2016</a:t>
             </a:fld>
             <a:endParaRPr lang="en-US"/>
           </a:p>
@@ -2392,7 +2392,7 @@
             <a:fld id="{1F541AB0-5ECD-4F0C-8435-DFC39302280B}" type="datetimeFigureOut">
               <a:rPr lang="en-US" smtClean="0"/>
               <a:pPr/>
-              <a:t>2/22/2016</a:t>
+              <a:t>3/4/2016</a:t>
             </a:fld>
             <a:endParaRPr lang="en-US"/>
           </a:p>
@@ -2671,7 +2671,7 @@
             <a:fld id="{1F541AB0-5ECD-4F0C-8435-DFC39302280B}" type="datetimeFigureOut">
               <a:rPr lang="en-US" smtClean="0"/>
               <a:pPr/>
-              <a:t>2/22/2016</a:t>
+              <a:t>3/4/2016</a:t>
             </a:fld>
             <a:endParaRPr lang="en-US"/>
           </a:p>
@@ -2926,7 +2926,7 @@
             <a:fld id="{1F541AB0-5ECD-4F0C-8435-DFC39302280B}" type="datetimeFigureOut">
               <a:rPr lang="en-US" smtClean="0"/>
               <a:pPr/>
-              <a:t>2/22/2016</a:t>
+              <a:t>3/4/2016</a:t>
             </a:fld>
             <a:endParaRPr lang="en-US"/>
           </a:p>
@@ -3141,7 +3141,7 @@
             <a:fld id="{1F541AB0-5ECD-4F0C-8435-DFC39302280B}" type="datetimeFigureOut">
               <a:rPr lang="en-US" smtClean="0"/>
               <a:pPr/>
-              <a:t>2/22/2016</a:t>
+              <a:t>3/4/2016</a:t>
             </a:fld>
             <a:endParaRPr lang="en-US"/>
           </a:p>
@@ -7894,7 +7894,13 @@
           <p:nvPr/>
         </p:nvPicPr>
         <p:blipFill>
-          <a:blip r:embed="rId2"/>
+          <a:blip r:embed="rId2" cstate="screen">
+            <a:extLst>
+              <a:ext uri="{28A0092B-C50C-407E-A947-70E740481C1C}">
+                <a14:useLocalDpi xmlns:a14="http://schemas.microsoft.com/office/drawing/2010/main"/>
+              </a:ext>
+            </a:extLst>
+          </a:blip>
           <a:stretch>
             <a:fillRect/>
           </a:stretch>
@@ -7918,7 +7924,13 @@
           <p:nvPr/>
         </p:nvPicPr>
         <p:blipFill>
-          <a:blip r:embed="rId3"/>
+          <a:blip r:embed="rId3" cstate="screen">
+            <a:extLst>
+              <a:ext uri="{28A0092B-C50C-407E-A947-70E740481C1C}">
+                <a14:useLocalDpi xmlns:a14="http://schemas.microsoft.com/office/drawing/2010/main"/>
+              </a:ext>
+            </a:extLst>
+          </a:blip>
           <a:stretch>
             <a:fillRect/>
           </a:stretch>
@@ -9173,15 +9185,7 @@
           <a:p>
             <a:r>
               <a:rPr lang="en-US" sz="2800" dirty="0" smtClean="0"/>
-              <a:t>The soil mapping project </a:t>
-            </a:r>
-            <a:r>
-              <a:rPr lang="en-US" sz="2800" dirty="0" smtClean="0"/>
-              <a:t>anticipates use of </a:t>
-            </a:r>
-            <a:r>
-              <a:rPr lang="en-US" sz="2800" dirty="0" smtClean="0"/>
-              <a:t>digital soil mapping techniques with 5m resolution data</a:t>
+              <a:t>The soil mapping project anticipates use of digital soil mapping techniques with 5m resolution data</a:t>
             </a:r>
           </a:p>
           <a:p>
@@ -10218,7 +10222,13 @@
           <p:nvPr/>
         </p:nvPicPr>
         <p:blipFill>
-          <a:blip r:embed="rId2"/>
+          <a:blip r:embed="rId2" cstate="screen">
+            <a:extLst>
+              <a:ext uri="{28A0092B-C50C-407E-A947-70E740481C1C}">
+                <a14:useLocalDpi xmlns:a14="http://schemas.microsoft.com/office/drawing/2010/main"/>
+              </a:ext>
+            </a:extLst>
+          </a:blip>
           <a:stretch>
             <a:fillRect/>
           </a:stretch>
